--- a/OPAR/WORKSPACE/WIP Target Folders/OPARTGT094_Syrian_Inteligence_Internet_Agency.pptx
+++ b/OPAR/WORKSPACE/WIP Target Folders/OPARTGT094_Syrian_Inteligence_Internet_Agency.pptx
@@ -108,6 +108,22 @@
       </a:defRPr>
     </a:lvl9pPr>
   </p:defaultTextStyle>
+  <p:extLst>
+    <p:ext uri="{EFAFB233-063F-42B5-8137-9DF3F51BA10A}">
+      <p15:sldGuideLst xmlns:p15="http://schemas.microsoft.com/office/powerpoint/2012/main">
+        <p15:guide id="1" orient="horz" pos="1620">
+          <p15:clr>
+            <a:srgbClr val="A4A3A4"/>
+          </p15:clr>
+        </p15:guide>
+        <p15:guide id="2" pos="2880">
+          <p15:clr>
+            <a:srgbClr val="A4A3A4"/>
+          </p15:clr>
+        </p15:guide>
+      </p15:sldGuideLst>
+    </p:ext>
+  </p:extLst>
 </p:presentation>
 </file>
 
@@ -194,7 +210,7 @@
             <a:fld id="{40637A30-8EE1-4060-9976-8832FC89EE34}" type="datetimeFigureOut">
               <a:rPr lang="nb-NO" smtClean="0"/>
               <a:pPr/>
-              <a:t>01.12.2020</a:t>
+              <a:t>08.12.2020</a:t>
             </a:fld>
             <a:endParaRPr lang="nb-NO"/>
           </a:p>
@@ -260,38 +276,37 @@
           <a:p>
             <a:pPr lvl="0"/>
             <a:r>
-              <a:rPr lang="nb-NO" smtClean="0"/>
+              <a:rPr lang="nb-NO"/>
               <a:t>Klikk for å redigere tekststiler i malen</a:t>
             </a:r>
           </a:p>
           <a:p>
             <a:pPr lvl="1"/>
             <a:r>
-              <a:rPr lang="nb-NO" smtClean="0"/>
+              <a:rPr lang="nb-NO"/>
               <a:t>Andre nivå</a:t>
             </a:r>
           </a:p>
           <a:p>
             <a:pPr lvl="2"/>
             <a:r>
-              <a:rPr lang="nb-NO" smtClean="0"/>
+              <a:rPr lang="nb-NO"/>
               <a:t>Tredje nivå</a:t>
             </a:r>
           </a:p>
           <a:p>
             <a:pPr lvl="3"/>
             <a:r>
-              <a:rPr lang="nb-NO" smtClean="0"/>
+              <a:rPr lang="nb-NO"/>
               <a:t>Fjerde nivå</a:t>
             </a:r>
           </a:p>
           <a:p>
             <a:pPr lvl="4"/>
             <a:r>
-              <a:rPr lang="nb-NO" smtClean="0"/>
+              <a:rPr lang="nb-NO"/>
               <a:t>Femte nivå</a:t>
             </a:r>
-            <a:endParaRPr lang="nb-NO"/>
           </a:p>
         </p:txBody>
       </p:sp>
@@ -498,10 +513,9 @@
           <a:lstStyle/>
           <a:p>
             <a:r>
-              <a:rPr lang="nb-NO" smtClean="0"/>
+              <a:rPr lang="nb-NO"/>
               <a:t>Klikk for å redigere tittelstil</a:t>
             </a:r>
-            <a:endParaRPr lang="nb-NO"/>
           </a:p>
         </p:txBody>
       </p:sp>
@@ -617,10 +631,9 @@
           </a:lstStyle>
           <a:p>
             <a:r>
-              <a:rPr lang="nb-NO" smtClean="0"/>
+              <a:rPr lang="nb-NO"/>
               <a:t>Klikk for å redigere undertittelstil i malen</a:t>
             </a:r>
-            <a:endParaRPr lang="nb-NO"/>
           </a:p>
         </p:txBody>
       </p:sp>
@@ -760,10 +773,9 @@
           </a:lstStyle>
           <a:p>
             <a:r>
-              <a:rPr lang="nb-NO" smtClean="0"/>
+              <a:rPr lang="nb-NO"/>
               <a:t>Klikk for å redigere tittelstil</a:t>
             </a:r>
-            <a:endParaRPr lang="nb-NO"/>
           </a:p>
         </p:txBody>
       </p:sp>
@@ -887,7 +899,7 @@
           <a:p>
             <a:pPr lvl="0"/>
             <a:r>
-              <a:rPr lang="nb-NO" smtClean="0"/>
+              <a:rPr lang="nb-NO"/>
               <a:t>Klikk for å redigere tekststiler i malen</a:t>
             </a:r>
           </a:p>
@@ -1020,10 +1032,9 @@
           <a:lstStyle/>
           <a:p>
             <a:r>
-              <a:rPr lang="nb-NO" smtClean="0"/>
+              <a:rPr lang="nb-NO"/>
               <a:t>Klikk for å redigere tittelstil</a:t>
             </a:r>
-            <a:endParaRPr lang="nb-NO"/>
           </a:p>
         </p:txBody>
       </p:sp>
@@ -1044,38 +1055,37 @@
           <a:p>
             <a:pPr lvl="0"/>
             <a:r>
-              <a:rPr lang="nb-NO" smtClean="0"/>
+              <a:rPr lang="nb-NO"/>
               <a:t>Klikk for å redigere tekststiler i malen</a:t>
             </a:r>
           </a:p>
           <a:p>
             <a:pPr lvl="1"/>
             <a:r>
-              <a:rPr lang="nb-NO" smtClean="0"/>
+              <a:rPr lang="nb-NO"/>
               <a:t>Andre nivå</a:t>
             </a:r>
           </a:p>
           <a:p>
             <a:pPr lvl="2"/>
             <a:r>
-              <a:rPr lang="nb-NO" smtClean="0"/>
+              <a:rPr lang="nb-NO"/>
               <a:t>Tredje nivå</a:t>
             </a:r>
           </a:p>
           <a:p>
             <a:pPr lvl="3"/>
             <a:r>
-              <a:rPr lang="nb-NO" smtClean="0"/>
+              <a:rPr lang="nb-NO"/>
               <a:t>Fjerde nivå</a:t>
             </a:r>
           </a:p>
           <a:p>
             <a:pPr lvl="4"/>
             <a:r>
-              <a:rPr lang="nb-NO" smtClean="0"/>
+              <a:rPr lang="nb-NO"/>
               <a:t>Femte nivå</a:t>
             </a:r>
-            <a:endParaRPr lang="nb-NO"/>
           </a:p>
         </p:txBody>
       </p:sp>
@@ -1211,10 +1221,9 @@
           <a:lstStyle/>
           <a:p>
             <a:r>
-              <a:rPr lang="nb-NO" smtClean="0"/>
+              <a:rPr lang="nb-NO"/>
               <a:t>Klikk for å redigere tittelstil</a:t>
             </a:r>
-            <a:endParaRPr lang="nb-NO"/>
           </a:p>
         </p:txBody>
       </p:sp>
@@ -1240,38 +1249,37 @@
           <a:p>
             <a:pPr lvl="0"/>
             <a:r>
-              <a:rPr lang="nb-NO" smtClean="0"/>
+              <a:rPr lang="nb-NO"/>
               <a:t>Klikk for å redigere tekststiler i malen</a:t>
             </a:r>
           </a:p>
           <a:p>
             <a:pPr lvl="1"/>
             <a:r>
-              <a:rPr lang="nb-NO" smtClean="0"/>
+              <a:rPr lang="nb-NO"/>
               <a:t>Andre nivå</a:t>
             </a:r>
           </a:p>
           <a:p>
             <a:pPr lvl="2"/>
             <a:r>
-              <a:rPr lang="nb-NO" smtClean="0"/>
+              <a:rPr lang="nb-NO"/>
               <a:t>Tredje nivå</a:t>
             </a:r>
           </a:p>
           <a:p>
             <a:pPr lvl="3"/>
             <a:r>
-              <a:rPr lang="nb-NO" smtClean="0"/>
+              <a:rPr lang="nb-NO"/>
               <a:t>Fjerde nivå</a:t>
             </a:r>
           </a:p>
           <a:p>
             <a:pPr lvl="4"/>
             <a:r>
-              <a:rPr lang="nb-NO" smtClean="0"/>
+              <a:rPr lang="nb-NO"/>
               <a:t>Femte nivå</a:t>
             </a:r>
-            <a:endParaRPr lang="nb-NO"/>
           </a:p>
         </p:txBody>
       </p:sp>
@@ -1411,10 +1419,9 @@
           </a:lstStyle>
           <a:p>
             <a:r>
-              <a:rPr lang="nb-NO" dirty="0" smtClean="0"/>
+              <a:rPr lang="nb-NO" dirty="0"/>
               <a:t>Klikk for å redigere tittelstil</a:t>
             </a:r>
-            <a:endParaRPr lang="nb-NO" dirty="0"/>
           </a:p>
         </p:txBody>
       </p:sp>
@@ -1464,10 +1471,9 @@
           <a:lstStyle/>
           <a:p>
             <a:r>
-              <a:rPr lang="nb-NO" smtClean="0"/>
+              <a:rPr lang="nb-NO"/>
               <a:t>Klikk for å redigere tittelstil</a:t>
             </a:r>
-            <a:endParaRPr lang="nb-NO"/>
           </a:p>
         </p:txBody>
       </p:sp>
@@ -1493,38 +1499,37 @@
           <a:p>
             <a:pPr lvl="0"/>
             <a:r>
-              <a:rPr lang="nb-NO" smtClean="0"/>
+              <a:rPr lang="nb-NO"/>
               <a:t>Klikk for å redigere tekststiler i malen</a:t>
             </a:r>
           </a:p>
           <a:p>
             <a:pPr lvl="1"/>
             <a:r>
-              <a:rPr lang="nb-NO" smtClean="0"/>
+              <a:rPr lang="nb-NO"/>
               <a:t>Andre nivå</a:t>
             </a:r>
           </a:p>
           <a:p>
             <a:pPr lvl="2"/>
             <a:r>
-              <a:rPr lang="nb-NO" smtClean="0"/>
+              <a:rPr lang="nb-NO"/>
               <a:t>Tredje nivå</a:t>
             </a:r>
           </a:p>
           <a:p>
             <a:pPr lvl="3"/>
             <a:r>
-              <a:rPr lang="nb-NO" smtClean="0"/>
+              <a:rPr lang="nb-NO"/>
               <a:t>Fjerde nivå</a:t>
             </a:r>
           </a:p>
           <a:p>
             <a:pPr lvl="4"/>
             <a:r>
-              <a:rPr lang="nb-NO" smtClean="0"/>
+              <a:rPr lang="nb-NO"/>
               <a:t>Femte nivå</a:t>
             </a:r>
-            <a:endParaRPr lang="nb-NO"/>
           </a:p>
         </p:txBody>
       </p:sp>
@@ -1578,10 +1583,9 @@
           </a:lstStyle>
           <a:p>
             <a:r>
-              <a:rPr lang="nb-NO" smtClean="0"/>
+              <a:rPr lang="nb-NO"/>
               <a:t>Klikk for å redigere tittelstil</a:t>
             </a:r>
-            <a:endParaRPr lang="nb-NO"/>
           </a:p>
         </p:txBody>
       </p:sp>
@@ -1698,7 +1702,7 @@
           <a:p>
             <a:pPr lvl="0"/>
             <a:r>
-              <a:rPr lang="nb-NO" smtClean="0"/>
+              <a:rPr lang="nb-NO"/>
               <a:t>Klikk for å redigere tekststiler i malen</a:t>
             </a:r>
           </a:p>
@@ -1831,10 +1835,9 @@
           <a:lstStyle/>
           <a:p>
             <a:r>
-              <a:rPr lang="nb-NO" smtClean="0"/>
+              <a:rPr lang="nb-NO"/>
               <a:t>Klikk for å redigere tittelstil</a:t>
             </a:r>
-            <a:endParaRPr lang="nb-NO"/>
           </a:p>
         </p:txBody>
       </p:sp>
@@ -1888,38 +1891,37 @@
           <a:p>
             <a:pPr lvl="0"/>
             <a:r>
-              <a:rPr lang="nb-NO" smtClean="0"/>
+              <a:rPr lang="nb-NO"/>
               <a:t>Klikk for å redigere tekststiler i malen</a:t>
             </a:r>
           </a:p>
           <a:p>
             <a:pPr lvl="1"/>
             <a:r>
-              <a:rPr lang="nb-NO" smtClean="0"/>
+              <a:rPr lang="nb-NO"/>
               <a:t>Andre nivå</a:t>
             </a:r>
           </a:p>
           <a:p>
             <a:pPr lvl="2"/>
             <a:r>
-              <a:rPr lang="nb-NO" smtClean="0"/>
+              <a:rPr lang="nb-NO"/>
               <a:t>Tredje nivå</a:t>
             </a:r>
           </a:p>
           <a:p>
             <a:pPr lvl="3"/>
             <a:r>
-              <a:rPr lang="nb-NO" smtClean="0"/>
+              <a:rPr lang="nb-NO"/>
               <a:t>Fjerde nivå</a:t>
             </a:r>
           </a:p>
           <a:p>
             <a:pPr lvl="4"/>
             <a:r>
-              <a:rPr lang="nb-NO" smtClean="0"/>
+              <a:rPr lang="nb-NO"/>
               <a:t>Femte nivå</a:t>
             </a:r>
-            <a:endParaRPr lang="nb-NO"/>
           </a:p>
         </p:txBody>
       </p:sp>
@@ -1973,38 +1975,37 @@
           <a:p>
             <a:pPr lvl="0"/>
             <a:r>
-              <a:rPr lang="nb-NO" smtClean="0"/>
+              <a:rPr lang="nb-NO"/>
               <a:t>Klikk for å redigere tekststiler i malen</a:t>
             </a:r>
           </a:p>
           <a:p>
             <a:pPr lvl="1"/>
             <a:r>
-              <a:rPr lang="nb-NO" smtClean="0"/>
+              <a:rPr lang="nb-NO"/>
               <a:t>Andre nivå</a:t>
             </a:r>
           </a:p>
           <a:p>
             <a:pPr lvl="2"/>
             <a:r>
-              <a:rPr lang="nb-NO" smtClean="0"/>
+              <a:rPr lang="nb-NO"/>
               <a:t>Tredje nivå</a:t>
             </a:r>
           </a:p>
           <a:p>
             <a:pPr lvl="3"/>
             <a:r>
-              <a:rPr lang="nb-NO" smtClean="0"/>
+              <a:rPr lang="nb-NO"/>
               <a:t>Fjerde nivå</a:t>
             </a:r>
           </a:p>
           <a:p>
             <a:pPr lvl="4"/>
             <a:r>
-              <a:rPr lang="nb-NO" smtClean="0"/>
+              <a:rPr lang="nb-NO"/>
               <a:t>Femte nivå</a:t>
             </a:r>
-            <a:endParaRPr lang="nb-NO"/>
           </a:p>
         </p:txBody>
       </p:sp>
@@ -2139,10 +2140,9 @@
           </a:lstStyle>
           <a:p>
             <a:r>
-              <a:rPr lang="nb-NO" smtClean="0"/>
+              <a:rPr lang="nb-NO"/>
               <a:t>Klikk for å redigere tittelstil</a:t>
             </a:r>
-            <a:endParaRPr lang="nb-NO"/>
           </a:p>
         </p:txBody>
       </p:sp>
@@ -2205,7 +2205,7 @@
           <a:p>
             <a:pPr lvl="0"/>
             <a:r>
-              <a:rPr lang="nb-NO" smtClean="0"/>
+              <a:rPr lang="nb-NO"/>
               <a:t>Klikk for å redigere tekststiler i malen</a:t>
             </a:r>
           </a:p>
@@ -2261,38 +2261,37 @@
           <a:p>
             <a:pPr lvl="0"/>
             <a:r>
-              <a:rPr lang="nb-NO" smtClean="0"/>
+              <a:rPr lang="nb-NO"/>
               <a:t>Klikk for å redigere tekststiler i malen</a:t>
             </a:r>
           </a:p>
           <a:p>
             <a:pPr lvl="1"/>
             <a:r>
-              <a:rPr lang="nb-NO" smtClean="0"/>
+              <a:rPr lang="nb-NO"/>
               <a:t>Andre nivå</a:t>
             </a:r>
           </a:p>
           <a:p>
             <a:pPr lvl="2"/>
             <a:r>
-              <a:rPr lang="nb-NO" smtClean="0"/>
+              <a:rPr lang="nb-NO"/>
               <a:t>Tredje nivå</a:t>
             </a:r>
           </a:p>
           <a:p>
             <a:pPr lvl="3"/>
             <a:r>
-              <a:rPr lang="nb-NO" smtClean="0"/>
+              <a:rPr lang="nb-NO"/>
               <a:t>Fjerde nivå</a:t>
             </a:r>
           </a:p>
           <a:p>
             <a:pPr lvl="4"/>
             <a:r>
-              <a:rPr lang="nb-NO" smtClean="0"/>
+              <a:rPr lang="nb-NO"/>
               <a:t>Femte nivå</a:t>
             </a:r>
-            <a:endParaRPr lang="nb-NO"/>
           </a:p>
         </p:txBody>
       </p:sp>
@@ -2355,7 +2354,7 @@
           <a:p>
             <a:pPr lvl="0"/>
             <a:r>
-              <a:rPr lang="nb-NO" smtClean="0"/>
+              <a:rPr lang="nb-NO"/>
               <a:t>Klikk for å redigere tekststiler i malen</a:t>
             </a:r>
           </a:p>
@@ -2411,38 +2410,37 @@
           <a:p>
             <a:pPr lvl="0"/>
             <a:r>
-              <a:rPr lang="nb-NO" smtClean="0"/>
+              <a:rPr lang="nb-NO"/>
               <a:t>Klikk for å redigere tekststiler i malen</a:t>
             </a:r>
           </a:p>
           <a:p>
             <a:pPr lvl="1"/>
             <a:r>
-              <a:rPr lang="nb-NO" smtClean="0"/>
+              <a:rPr lang="nb-NO"/>
               <a:t>Andre nivå</a:t>
             </a:r>
           </a:p>
           <a:p>
             <a:pPr lvl="2"/>
             <a:r>
-              <a:rPr lang="nb-NO" smtClean="0"/>
+              <a:rPr lang="nb-NO"/>
               <a:t>Tredje nivå</a:t>
             </a:r>
           </a:p>
           <a:p>
             <a:pPr lvl="3"/>
             <a:r>
-              <a:rPr lang="nb-NO" smtClean="0"/>
+              <a:rPr lang="nb-NO"/>
               <a:t>Fjerde nivå</a:t>
             </a:r>
           </a:p>
           <a:p>
             <a:pPr lvl="4"/>
             <a:r>
-              <a:rPr lang="nb-NO" smtClean="0"/>
+              <a:rPr lang="nb-NO"/>
               <a:t>Femte nivå</a:t>
             </a:r>
-            <a:endParaRPr lang="nb-NO"/>
           </a:p>
         </p:txBody>
       </p:sp>
@@ -2587,10 +2585,9 @@
           <a:lstStyle/>
           <a:p>
             <a:r>
-              <a:rPr lang="nb-NO" smtClean="0"/>
+              <a:rPr lang="nb-NO"/>
               <a:t>Klikk for å redigere tittelstil</a:t>
             </a:r>
-            <a:endParaRPr lang="nb-NO"/>
           </a:p>
         </p:txBody>
       </p:sp>
@@ -2845,10 +2842,9 @@
           </a:lstStyle>
           <a:p>
             <a:r>
-              <a:rPr lang="nb-NO" smtClean="0"/>
+              <a:rPr lang="nb-NO"/>
               <a:t>Klikk for å redigere tittelstil</a:t>
             </a:r>
-            <a:endParaRPr lang="nb-NO"/>
           </a:p>
         </p:txBody>
       </p:sp>
@@ -2902,38 +2898,37 @@
           <a:p>
             <a:pPr lvl="0"/>
             <a:r>
-              <a:rPr lang="nb-NO" smtClean="0"/>
+              <a:rPr lang="nb-NO"/>
               <a:t>Klikk for å redigere tekststiler i malen</a:t>
             </a:r>
           </a:p>
           <a:p>
             <a:pPr lvl="1"/>
             <a:r>
-              <a:rPr lang="nb-NO" smtClean="0"/>
+              <a:rPr lang="nb-NO"/>
               <a:t>Andre nivå</a:t>
             </a:r>
           </a:p>
           <a:p>
             <a:pPr lvl="2"/>
             <a:r>
-              <a:rPr lang="nb-NO" smtClean="0"/>
+              <a:rPr lang="nb-NO"/>
               <a:t>Tredje nivå</a:t>
             </a:r>
           </a:p>
           <a:p>
             <a:pPr lvl="3"/>
             <a:r>
-              <a:rPr lang="nb-NO" smtClean="0"/>
+              <a:rPr lang="nb-NO"/>
               <a:t>Fjerde nivå</a:t>
             </a:r>
           </a:p>
           <a:p>
             <a:pPr lvl="4"/>
             <a:r>
-              <a:rPr lang="nb-NO" smtClean="0"/>
+              <a:rPr lang="nb-NO"/>
               <a:t>Femte nivå</a:t>
             </a:r>
-            <a:endParaRPr lang="nb-NO"/>
           </a:p>
         </p:txBody>
       </p:sp>
@@ -2996,7 +2991,7 @@
           <a:p>
             <a:pPr lvl="0"/>
             <a:r>
-              <a:rPr lang="nb-NO" smtClean="0"/>
+              <a:rPr lang="nb-NO"/>
               <a:t>Klikk for å redigere tekststiler i malen</a:t>
             </a:r>
           </a:p>
@@ -3149,10 +3144,9 @@
           <a:lstStyle/>
           <a:p>
             <a:r>
-              <a:rPr lang="nb-NO" dirty="0" smtClean="0"/>
+              <a:rPr lang="nb-NO" dirty="0"/>
               <a:t>Klikk for å redigere tittelstil</a:t>
             </a:r>
-            <a:endParaRPr lang="nb-NO" dirty="0"/>
           </a:p>
         </p:txBody>
       </p:sp>
@@ -3183,38 +3177,37 @@
           <a:p>
             <a:pPr lvl="0"/>
             <a:r>
-              <a:rPr lang="nb-NO" dirty="0" smtClean="0"/>
+              <a:rPr lang="nb-NO" dirty="0"/>
               <a:t>Klikk for å redigere tekststiler i malen</a:t>
             </a:r>
           </a:p>
           <a:p>
             <a:pPr lvl="1"/>
             <a:r>
-              <a:rPr lang="nb-NO" dirty="0" smtClean="0"/>
+              <a:rPr lang="nb-NO" dirty="0"/>
               <a:t>Andre nivå</a:t>
             </a:r>
           </a:p>
           <a:p>
             <a:pPr lvl="2"/>
             <a:r>
-              <a:rPr lang="nb-NO" dirty="0" smtClean="0"/>
+              <a:rPr lang="nb-NO" dirty="0"/>
               <a:t>Tredje nivå</a:t>
             </a:r>
           </a:p>
           <a:p>
             <a:pPr lvl="3"/>
             <a:r>
-              <a:rPr lang="nb-NO" dirty="0" smtClean="0"/>
+              <a:rPr lang="nb-NO" dirty="0"/>
               <a:t>Fjerde nivå</a:t>
             </a:r>
           </a:p>
           <a:p>
             <a:pPr lvl="4"/>
             <a:r>
-              <a:rPr lang="nb-NO" dirty="0" smtClean="0"/>
+              <a:rPr lang="nb-NO" dirty="0"/>
               <a:t>Femte nivå</a:t>
             </a:r>
-            <a:endParaRPr lang="nb-NO" dirty="0"/>
           </a:p>
         </p:txBody>
       </p:sp>
@@ -3367,7 +3360,7 @@
           <a:lstStyle/>
           <a:p>
             <a:r>
-              <a:rPr lang="nb-NO" sz="1000" b="0" dirty="0" err="1" smtClean="0">
+              <a:rPr lang="nb-NO" sz="1000" b="0" dirty="0" err="1">
                 <a:solidFill>
                   <a:schemeClr val="tx1"/>
                 </a:solidFill>
@@ -3377,7 +3370,7 @@
               <a:t>Virtual</a:t>
             </a:r>
             <a:r>
-              <a:rPr lang="nb-NO" sz="1000" b="0" dirty="0" smtClean="0">
+              <a:rPr lang="nb-NO" sz="1000" b="0" dirty="0">
                 <a:solidFill>
                   <a:schemeClr val="tx1"/>
                 </a:solidFill>
@@ -3387,7 +3380,7 @@
               <a:t> </a:t>
             </a:r>
             <a:r>
-              <a:rPr lang="nb-NO" sz="1000" b="0" dirty="0" err="1" smtClean="0">
+              <a:rPr lang="nb-NO" sz="1000" b="0" dirty="0" err="1">
                 <a:solidFill>
                   <a:schemeClr val="tx1"/>
                 </a:solidFill>
@@ -3397,7 +3390,7 @@
               <a:t>Intelligence</a:t>
             </a:r>
             <a:r>
-              <a:rPr lang="nb-NO" sz="1000" b="0" dirty="0" smtClean="0">
+              <a:rPr lang="nb-NO" sz="1000" b="0" dirty="0">
                 <a:solidFill>
                   <a:schemeClr val="tx1"/>
                 </a:solidFill>
@@ -3406,13 +3399,6 @@
               </a:rPr>
               <a:t> Service</a:t>
             </a:r>
-            <a:endParaRPr lang="nb-NO" sz="1000" b="0" dirty="0">
-              <a:solidFill>
-                <a:schemeClr val="tx1"/>
-              </a:solidFill>
-              <a:latin typeface="Arial Black" pitchFamily="34" charset="0"/>
-              <a:cs typeface="Arial" pitchFamily="34" charset="0"/>
-            </a:endParaRPr>
           </a:p>
         </p:txBody>
       </p:sp>
@@ -3440,7 +3426,7 @@
           <a:p>
             <a:pPr algn="ctr"/>
             <a:r>
-              <a:rPr lang="nb-NO" sz="700" b="1" dirty="0" smtClean="0">
+              <a:rPr lang="nb-NO" sz="700" b="1" dirty="0">
                 <a:solidFill>
                   <a:schemeClr val="bg1"/>
                 </a:solidFill>
@@ -3449,7 +3435,7 @@
               <a:t>Victoria</a:t>
             </a:r>
             <a:r>
-              <a:rPr lang="nb-NO" sz="700" b="1" baseline="0" dirty="0" smtClean="0">
+              <a:rPr lang="nb-NO" sz="700" b="1" baseline="0" dirty="0">
                 <a:solidFill>
                   <a:schemeClr val="bg1"/>
                 </a:solidFill>
@@ -3458,7 +3444,7 @@
               <a:t> Per </a:t>
             </a:r>
             <a:r>
-              <a:rPr lang="nb-NO" sz="700" b="1" baseline="0" dirty="0" err="1" smtClean="0">
+              <a:rPr lang="nb-NO" sz="700" b="1" baseline="0" dirty="0" err="1">
                 <a:solidFill>
                   <a:schemeClr val="bg1"/>
                 </a:solidFill>
@@ -3888,7 +3874,7 @@
           <a:lstStyle/>
           <a:p>
             <a:r>
-              <a:rPr lang="sv-SE" dirty="0" smtClean="0"/>
+              <a:rPr lang="sv-SE" dirty="0"/>
               <a:t>OPARTGT094 Syrian Intelligence Internet Agency </a:t>
             </a:r>
             <a:endParaRPr lang="en-US" dirty="0"/>
@@ -3965,7 +3951,7 @@
           <a:p>
             <a:pPr algn="ctr"/>
             <a:r>
-              <a:rPr lang="en-GB" sz="1400" dirty="0" smtClean="0">
+              <a:rPr lang="en-GB" sz="1400" dirty="0">
                 <a:solidFill>
                   <a:srgbClr val="FF0000"/>
                 </a:solidFill>
@@ -4020,7 +4006,7 @@
             <a:p>
               <a:pPr algn="ctr"/>
               <a:r>
-                <a:rPr lang="en-US" sz="1000" dirty="0" smtClean="0">
+                <a:rPr lang="en-US" sz="1000" dirty="0">
                   <a:solidFill>
                     <a:srgbClr val="FF0000"/>
                   </a:solidFill>
@@ -4028,12 +4014,6 @@
                 </a:rPr>
                 <a:t>4</a:t>
               </a:r>
-              <a:endParaRPr lang="en-US" sz="1000" dirty="0">
-                <a:solidFill>
-                  <a:srgbClr val="FF0000"/>
-                </a:solidFill>
-                <a:latin typeface="Arial Black" pitchFamily="34" charset="0"/>
-              </a:endParaRPr>
             </a:p>
           </p:txBody>
         </p:sp>
@@ -4122,7 +4102,7 @@
             <a:p>
               <a:pPr algn="ctr"/>
               <a:r>
-                <a:rPr lang="en-US" sz="1000" dirty="0" smtClean="0">
+                <a:rPr lang="en-US" sz="1000" dirty="0">
                   <a:solidFill>
                     <a:srgbClr val="FF0000"/>
                   </a:solidFill>
@@ -4130,12 +4110,6 @@
                 </a:rPr>
                 <a:t>5</a:t>
               </a:r>
-              <a:endParaRPr lang="en-US" sz="1000" dirty="0">
-                <a:solidFill>
-                  <a:srgbClr val="FF0000"/>
-                </a:solidFill>
-                <a:latin typeface="Arial Black" pitchFamily="34" charset="0"/>
-              </a:endParaRPr>
             </a:p>
           </p:txBody>
         </p:sp>
@@ -4224,7 +4198,7 @@
             <a:p>
               <a:pPr algn="ctr"/>
               <a:r>
-                <a:rPr lang="en-US" sz="1000" dirty="0" smtClean="0">
+                <a:rPr lang="en-US" sz="1000" dirty="0">
                   <a:solidFill>
                     <a:srgbClr val="FF0000"/>
                   </a:solidFill>
@@ -4232,12 +4206,6 @@
                 </a:rPr>
                 <a:t>6</a:t>
               </a:r>
-              <a:endParaRPr lang="en-US" sz="1000" dirty="0">
-                <a:solidFill>
-                  <a:srgbClr val="FF0000"/>
-                </a:solidFill>
-                <a:latin typeface="Arial Black" pitchFamily="34" charset="0"/>
-              </a:endParaRPr>
             </a:p>
           </p:txBody>
         </p:sp>
@@ -4326,7 +4294,7 @@
             <a:p>
               <a:pPr algn="ctr"/>
               <a:r>
-                <a:rPr lang="en-US" sz="1000" dirty="0" smtClean="0">
+                <a:rPr lang="en-US" sz="1000" dirty="0">
                   <a:solidFill>
                     <a:srgbClr val="FF0000"/>
                   </a:solidFill>
@@ -4334,12 +4302,6 @@
                 </a:rPr>
                 <a:t>7</a:t>
               </a:r>
-              <a:endParaRPr lang="en-US" sz="1000" dirty="0">
-                <a:solidFill>
-                  <a:srgbClr val="FF0000"/>
-                </a:solidFill>
-                <a:latin typeface="Arial Black" pitchFamily="34" charset="0"/>
-              </a:endParaRPr>
             </a:p>
           </p:txBody>
         </p:sp>
@@ -4428,7 +4390,7 @@
             <a:p>
               <a:pPr algn="ctr"/>
               <a:r>
-                <a:rPr lang="en-US" sz="1000" dirty="0" smtClean="0">
+                <a:rPr lang="en-US" sz="1000" dirty="0">
                   <a:solidFill>
                     <a:srgbClr val="FF0000"/>
                   </a:solidFill>
@@ -4436,12 +4398,6 @@
                 </a:rPr>
                 <a:t>8</a:t>
               </a:r>
-              <a:endParaRPr lang="en-US" sz="1000" dirty="0">
-                <a:solidFill>
-                  <a:srgbClr val="FF0000"/>
-                </a:solidFill>
-                <a:latin typeface="Arial Black" pitchFamily="34" charset="0"/>
-              </a:endParaRPr>
             </a:p>
           </p:txBody>
         </p:sp>
@@ -4520,219 +4476,219 @@
           <a:lstStyle/>
           <a:p>
             <a:r>
-              <a:rPr lang="nb-NO" sz="1200" dirty="0" smtClean="0"/>
+              <a:rPr lang="nb-NO" sz="1200" dirty="0"/>
               <a:t>DESCRIPTION OF THE DESIRED POINTS OF IMPACT WITH WPN TYPE: </a:t>
             </a:r>
-            <a:endParaRPr lang="pl-PL" sz="1200" dirty="0" smtClean="0"/>
+            <a:endParaRPr lang="pl-PL" sz="1200" dirty="0"/>
           </a:p>
           <a:p>
             <a:pPr algn="ctr"/>
             <a:r>
-              <a:rPr lang="en-US" sz="1100" dirty="0" smtClean="0"/>
+              <a:rPr lang="en-US" sz="1100" dirty="0"/>
               <a:t>OPARTGT0</a:t>
             </a:r>
             <a:r>
-              <a:rPr lang="en-GB" sz="1100" dirty="0" smtClean="0"/>
+              <a:rPr lang="en-GB" sz="1100" dirty="0"/>
               <a:t>94</a:t>
             </a:r>
             <a:r>
-              <a:rPr lang="pl-PL" sz="1100" b="1" dirty="0" smtClean="0"/>
+              <a:rPr lang="pl-PL" sz="1100" b="1" dirty="0"/>
               <a:t>A </a:t>
             </a:r>
             <a:r>
-              <a:rPr lang="pl-PL" sz="1200" dirty="0" smtClean="0"/>
+              <a:rPr lang="pl-PL" sz="1200" dirty="0"/>
               <a:t>– </a:t>
             </a:r>
             <a:r>
-              <a:rPr lang="en-GB" sz="1200" dirty="0" smtClean="0"/>
+              <a:rPr lang="en-GB" sz="1200" dirty="0"/>
               <a:t>Internet Agency Centre</a:t>
             </a:r>
-            <a:endParaRPr lang="pl-PL" sz="1200" dirty="0" smtClean="0"/>
-          </a:p>
-          <a:p>
-            <a:r>
-              <a:rPr lang="pl-PL" sz="1100" dirty="0" smtClean="0"/>
+            <a:endParaRPr lang="pl-PL" sz="1200" dirty="0"/>
+          </a:p>
+          <a:p>
+            <a:r>
+              <a:rPr lang="pl-PL" sz="1100" dirty="0"/>
               <a:t>DPI 1 </a:t>
             </a:r>
             <a:r>
-              <a:rPr lang="en-GB" sz="1100" dirty="0" smtClean="0"/>
+              <a:rPr lang="en-GB" sz="1100" dirty="0"/>
               <a:t>N33 30.849 E036 16.059/2276ft</a:t>
             </a:r>
             <a:r>
-              <a:rPr lang="pl-PL" sz="1100" dirty="0" smtClean="0"/>
+              <a:rPr lang="pl-PL" sz="1100" dirty="0"/>
               <a:t>/</a:t>
             </a:r>
             <a:r>
-              <a:rPr lang="nb-NO" sz="1100" dirty="0" smtClean="0"/>
+              <a:rPr lang="nb-NO" sz="1100" dirty="0"/>
               <a:t>(2000 Ibs bomb)</a:t>
             </a:r>
-            <a:endParaRPr lang="pl-PL" sz="1100" dirty="0" smtClean="0"/>
-          </a:p>
-          <a:p>
-            <a:endParaRPr lang="pl-PL" sz="1100" dirty="0" smtClean="0"/>
+            <a:endParaRPr lang="pl-PL" sz="1100" dirty="0"/>
+          </a:p>
+          <a:p>
+            <a:endParaRPr lang="pl-PL" sz="1100" dirty="0"/>
           </a:p>
           <a:p>
             <a:pPr algn="ctr"/>
             <a:r>
-              <a:rPr lang="en-US" sz="1100" dirty="0" smtClean="0"/>
+              <a:rPr lang="en-US" sz="1100" dirty="0"/>
               <a:t>OPARTGT0</a:t>
             </a:r>
             <a:r>
-              <a:rPr lang="en-GB" sz="1100" dirty="0" smtClean="0"/>
+              <a:rPr lang="en-GB" sz="1100" dirty="0"/>
               <a:t>94</a:t>
             </a:r>
             <a:r>
-              <a:rPr lang="pl-PL" sz="1100" b="1" dirty="0" smtClean="0"/>
+              <a:rPr lang="pl-PL" sz="1100" b="1" dirty="0"/>
               <a:t>B </a:t>
             </a:r>
             <a:r>
-              <a:rPr lang="pl-PL" sz="1100" dirty="0" smtClean="0"/>
+              <a:rPr lang="pl-PL" sz="1100" dirty="0"/>
               <a:t>– </a:t>
             </a:r>
             <a:r>
-              <a:rPr lang="en-GB" sz="1100" dirty="0" smtClean="0"/>
+              <a:rPr lang="en-GB" sz="1100" dirty="0"/>
               <a:t>Analyst Centre</a:t>
             </a:r>
-            <a:endParaRPr lang="pl-PL" sz="1100" dirty="0" smtClean="0"/>
-          </a:p>
-          <a:p>
-            <a:r>
-              <a:rPr lang="pl-PL" sz="1100" dirty="0" smtClean="0"/>
+            <a:endParaRPr lang="pl-PL" sz="1100" dirty="0"/>
+          </a:p>
+          <a:p>
+            <a:r>
+              <a:rPr lang="pl-PL" sz="1100" dirty="0"/>
               <a:t>DPI </a:t>
             </a:r>
             <a:r>
-              <a:rPr lang="en-GB" sz="1100" dirty="0" smtClean="0"/>
+              <a:rPr lang="en-GB" sz="1100" dirty="0"/>
               <a:t>2</a:t>
             </a:r>
             <a:r>
-              <a:rPr lang="pl-PL" sz="1100" dirty="0" smtClean="0"/>
+              <a:rPr lang="pl-PL" sz="1100" dirty="0"/>
               <a:t> </a:t>
             </a:r>
             <a:r>
-              <a:rPr lang="en-GB" sz="1100" dirty="0" smtClean="0"/>
+              <a:rPr lang="en-GB" sz="1100" dirty="0"/>
               <a:t>N33 30.840 E036 16.080/2273ft</a:t>
             </a:r>
             <a:r>
-              <a:rPr lang="pl-PL" sz="1100" dirty="0" smtClean="0"/>
+              <a:rPr lang="pl-PL" sz="1100" dirty="0"/>
               <a:t>/</a:t>
             </a:r>
             <a:r>
-              <a:rPr lang="nb-NO" sz="1100" dirty="0" smtClean="0"/>
+              <a:rPr lang="nb-NO" sz="1100" dirty="0"/>
               <a:t>(1000 Ibs bomb)</a:t>
             </a:r>
-            <a:endParaRPr lang="pl-PL" sz="1100" dirty="0" smtClean="0"/>
-          </a:p>
-          <a:p>
-            <a:endParaRPr lang="pl-PL" sz="1100" dirty="0" smtClean="0"/>
+            <a:endParaRPr lang="pl-PL" sz="1100" dirty="0"/>
+          </a:p>
+          <a:p>
+            <a:endParaRPr lang="pl-PL" sz="1100" dirty="0"/>
           </a:p>
           <a:p>
             <a:pPr algn="ctr"/>
             <a:r>
-              <a:rPr lang="en-US" sz="1100" dirty="0" smtClean="0"/>
+              <a:rPr lang="en-US" sz="1100" dirty="0"/>
               <a:t>OPARTGT0</a:t>
             </a:r>
             <a:r>
-              <a:rPr lang="en-GB" sz="1100" dirty="0" smtClean="0"/>
+              <a:rPr lang="en-GB" sz="1100" dirty="0"/>
               <a:t>94</a:t>
             </a:r>
             <a:r>
-              <a:rPr lang="pl-PL" sz="1100" b="1" dirty="0" smtClean="0"/>
+              <a:rPr lang="pl-PL" sz="1100" b="1" dirty="0"/>
               <a:t>C </a:t>
             </a:r>
             <a:r>
-              <a:rPr lang="pl-PL" sz="1100" dirty="0" smtClean="0"/>
+              <a:rPr lang="pl-PL" sz="1100" dirty="0"/>
               <a:t>– </a:t>
             </a:r>
             <a:r>
-              <a:rPr lang="en-GB" sz="1100" dirty="0" smtClean="0"/>
+              <a:rPr lang="en-GB" sz="1100" dirty="0"/>
               <a:t>Server Halls</a:t>
             </a:r>
-            <a:endParaRPr lang="pl-PL" sz="1100" dirty="0" smtClean="0"/>
-          </a:p>
-          <a:p>
-            <a:r>
-              <a:rPr lang="pl-PL" sz="1100" dirty="0" smtClean="0"/>
+            <a:endParaRPr lang="pl-PL" sz="1100" dirty="0"/>
+          </a:p>
+          <a:p>
+            <a:r>
+              <a:rPr lang="pl-PL" sz="1100" dirty="0"/>
               <a:t>DPI </a:t>
             </a:r>
             <a:r>
-              <a:rPr lang="en-GB" sz="1100" dirty="0" smtClean="0"/>
+              <a:rPr lang="en-GB" sz="1100" dirty="0"/>
               <a:t>3</a:t>
             </a:r>
             <a:r>
-              <a:rPr lang="pl-PL" sz="1100" dirty="0" smtClean="0"/>
+              <a:rPr lang="pl-PL" sz="1100" dirty="0"/>
               <a:t> </a:t>
             </a:r>
             <a:r>
-              <a:rPr lang="en-GB" sz="1100" dirty="0" smtClean="0"/>
+              <a:rPr lang="en-GB" sz="1100" dirty="0"/>
               <a:t>N33 30.856 E036 16.073/2273ft</a:t>
             </a:r>
             <a:r>
-              <a:rPr lang="pl-PL" sz="1100" dirty="0" smtClean="0"/>
+              <a:rPr lang="pl-PL" sz="1100" dirty="0"/>
               <a:t>/</a:t>
             </a:r>
             <a:r>
-              <a:rPr lang="nb-NO" sz="1100" dirty="0" smtClean="0"/>
+              <a:rPr lang="nb-NO" sz="1100" dirty="0"/>
               <a:t>(1000 Ibs bomb)</a:t>
             </a:r>
-            <a:endParaRPr lang="pl-PL" sz="1100" dirty="0" smtClean="0"/>
-          </a:p>
-          <a:p>
-            <a:endParaRPr lang="en-US" sz="1100" dirty="0" smtClean="0"/>
+            <a:endParaRPr lang="pl-PL" sz="1100" dirty="0"/>
+          </a:p>
+          <a:p>
+            <a:endParaRPr lang="en-US" sz="1100" dirty="0"/>
           </a:p>
           <a:p>
             <a:pPr algn="ctr"/>
             <a:r>
-              <a:rPr lang="en-US" sz="1100" dirty="0" smtClean="0"/>
+              <a:rPr lang="en-US" sz="1100" dirty="0"/>
               <a:t>OPARTGT0</a:t>
             </a:r>
             <a:r>
-              <a:rPr lang="en-GB" sz="1100" dirty="0" smtClean="0"/>
+              <a:rPr lang="en-GB" sz="1100" dirty="0"/>
               <a:t>94</a:t>
             </a:r>
             <a:r>
-              <a:rPr lang="en-GB" sz="1100" b="1" dirty="0" smtClean="0"/>
+              <a:rPr lang="en-GB" sz="1100" b="1" dirty="0"/>
               <a:t>D</a:t>
             </a:r>
             <a:r>
-              <a:rPr lang="pl-PL" sz="1100" b="1" dirty="0" smtClean="0"/>
+              <a:rPr lang="pl-PL" sz="1100" b="1" dirty="0"/>
               <a:t> </a:t>
             </a:r>
             <a:r>
-              <a:rPr lang="pl-PL" sz="1100" dirty="0" smtClean="0"/>
+              <a:rPr lang="pl-PL" sz="1100" dirty="0"/>
               <a:t>– </a:t>
             </a:r>
             <a:r>
-              <a:rPr lang="en-GB" sz="1100" dirty="0" smtClean="0"/>
+              <a:rPr lang="en-GB" sz="1100" dirty="0"/>
               <a:t>Power </a:t>
             </a:r>
-            <a:endParaRPr lang="pl-PL" sz="1100" dirty="0" smtClean="0"/>
-          </a:p>
-          <a:p>
-            <a:r>
-              <a:rPr lang="pl-PL" sz="1100" dirty="0" smtClean="0"/>
+            <a:endParaRPr lang="pl-PL" sz="1100" dirty="0"/>
+          </a:p>
+          <a:p>
+            <a:r>
+              <a:rPr lang="pl-PL" sz="1100" dirty="0"/>
               <a:t>DPI </a:t>
             </a:r>
             <a:r>
-              <a:rPr lang="en-GB" sz="1100" dirty="0" smtClean="0"/>
+              <a:rPr lang="en-GB" sz="1100" dirty="0"/>
               <a:t>4</a:t>
             </a:r>
             <a:r>
-              <a:rPr lang="pl-PL" sz="1100" dirty="0" smtClean="0"/>
+              <a:rPr lang="pl-PL" sz="1100" dirty="0"/>
               <a:t> </a:t>
             </a:r>
             <a:r>
-              <a:rPr lang="en-GB" sz="1100" dirty="0" smtClean="0"/>
+              <a:rPr lang="en-GB" sz="1100" dirty="0"/>
               <a:t>N33 30.874 E036 16.049/2276ft</a:t>
             </a:r>
             <a:r>
-              <a:rPr lang="pl-PL" sz="1100" dirty="0" smtClean="0"/>
+              <a:rPr lang="pl-PL" sz="1100" dirty="0"/>
               <a:t>/</a:t>
             </a:r>
             <a:r>
-              <a:rPr lang="nb-NO" sz="1100" dirty="0" smtClean="0"/>
+              <a:rPr lang="nb-NO" sz="1100" dirty="0"/>
               <a:t>(1000 Ibs bomb)</a:t>
             </a:r>
-            <a:endParaRPr lang="pl-PL" sz="1100" dirty="0" smtClean="0"/>
+            <a:endParaRPr lang="pl-PL" sz="1100" dirty="0"/>
           </a:p>
         </p:txBody>
       </p:sp>
@@ -4768,35 +4724,31 @@
               <a:buChar char="-"/>
             </a:pPr>
             <a:r>
-              <a:rPr lang="pl-PL" sz="1200" dirty="0" smtClean="0"/>
+              <a:rPr lang="pl-PL" sz="1200" dirty="0"/>
               <a:t> Residential areas </a:t>
             </a:r>
             <a:r>
-              <a:rPr lang="en-GB" sz="1200" dirty="0" smtClean="0"/>
+              <a:rPr lang="en-GB" sz="1200" dirty="0"/>
               <a:t> N, E</a:t>
             </a:r>
             <a:r>
-              <a:rPr lang="pl-PL" sz="1200" dirty="0" smtClean="0"/>
-              <a:t> </a:t>
-            </a:r>
-            <a:r>
-              <a:rPr lang="pl-PL" sz="1200" dirty="0" smtClean="0"/>
-              <a:t>and </a:t>
-            </a:r>
-            <a:r>
-              <a:rPr lang="en-GB" sz="1200" dirty="0" smtClean="0"/>
+              <a:rPr lang="pl-PL" sz="1200" dirty="0"/>
+              <a:t> and </a:t>
+            </a:r>
+            <a:r>
+              <a:rPr lang="en-GB" sz="1200" dirty="0"/>
               <a:t>S</a:t>
             </a:r>
             <a:r>
-              <a:rPr lang="pl-PL" sz="1200" dirty="0" smtClean="0"/>
+              <a:rPr lang="pl-PL" sz="1200" dirty="0"/>
               <a:t> of the facility within </a:t>
             </a:r>
             <a:r>
-              <a:rPr lang="en-GB" sz="1200" dirty="0" smtClean="0"/>
+              <a:rPr lang="en-GB" sz="1200" dirty="0"/>
               <a:t>50</a:t>
             </a:r>
             <a:r>
-              <a:rPr lang="pl-PL" sz="1200" dirty="0" smtClean="0"/>
+              <a:rPr lang="pl-PL" sz="1200" dirty="0"/>
               <a:t>m.</a:t>
             </a:r>
             <a:endParaRPr lang="nb-NO" sz="1200" dirty="0"/>
@@ -4848,7 +4800,7 @@
           <a:p>
             <a:pPr algn="ctr"/>
             <a:r>
-              <a:rPr lang="en-GB" sz="1000" dirty="0" smtClean="0">
+              <a:rPr lang="en-GB" sz="1000" dirty="0">
                 <a:solidFill>
                   <a:sysClr val="windowText" lastClr="000000"/>
                 </a:solidFill>
@@ -4943,10 +4895,9 @@
           <a:p>
             <a:pPr algn="ctr"/>
             <a:r>
-              <a:rPr lang="nb-NO" dirty="0" smtClean="0"/>
+              <a:rPr lang="nb-NO" dirty="0"/>
               <a:t>N</a:t>
             </a:r>
-            <a:endParaRPr lang="nb-NO" dirty="0"/>
           </a:p>
         </p:txBody>
       </p:sp>
@@ -4995,7 +4946,7 @@
           <a:p>
             <a:pPr algn="ctr"/>
             <a:r>
-              <a:rPr lang="en-GB" sz="1000" dirty="0" smtClean="0">
+              <a:rPr lang="en-GB" sz="1000" dirty="0">
                 <a:solidFill>
                   <a:sysClr val="windowText" lastClr="000000"/>
                 </a:solidFill>
@@ -5198,11 +5149,11 @@
           <a:lstStyle/>
           <a:p>
             <a:r>
-              <a:rPr lang="sv-SE" sz="2000" dirty="0" smtClean="0"/>
+              <a:rPr lang="sv-SE" sz="2000" dirty="0"/>
               <a:t>OPARTGT094 Syrian Intelligence Internet Agency </a:t>
             </a:r>
             <a:r>
-              <a:rPr lang="pl-PL" sz="2000" dirty="0" smtClean="0"/>
+              <a:rPr lang="pl-PL" sz="2000" dirty="0"/>
               <a:t>DPIs</a:t>
             </a:r>
             <a:endParaRPr lang="en-US" sz="2000" dirty="0"/>
@@ -5252,10 +5203,9 @@
           <a:p>
             <a:pPr algn="ctr"/>
             <a:r>
-              <a:rPr lang="nb-NO" dirty="0" smtClean="0"/>
+              <a:rPr lang="nb-NO" dirty="0"/>
               <a:t>N</a:t>
             </a:r>
-            <a:endParaRPr lang="nb-NO" dirty="0"/>
           </a:p>
         </p:txBody>
       </p:sp>
@@ -5329,14 +5279,11 @@
           <a:p>
             <a:pPr algn="ctr"/>
             <a:r>
-              <a:rPr lang="en-US" sz="1400" dirty="0" smtClean="0">
+              <a:rPr lang="en-US" sz="1400" dirty="0">
                 <a:latin typeface="Arial Black" pitchFamily="34" charset="0"/>
               </a:rPr>
               <a:t>1</a:t>
             </a:r>
-            <a:endParaRPr lang="en-US" sz="1400" dirty="0">
-              <a:latin typeface="Arial Black" pitchFamily="34" charset="0"/>
-            </a:endParaRPr>
           </a:p>
         </p:txBody>
       </p:sp>
@@ -5378,7 +5325,7 @@
             <a:p>
               <a:pPr algn="ctr"/>
               <a:r>
-                <a:rPr lang="en-US" sz="1000" dirty="0" smtClean="0">
+                <a:rPr lang="en-US" sz="1000" dirty="0">
                   <a:solidFill>
                     <a:srgbClr val="FF0000"/>
                   </a:solidFill>
@@ -5386,12 +5333,6 @@
                 </a:rPr>
                 <a:t>1</a:t>
               </a:r>
-              <a:endParaRPr lang="en-US" sz="1000" dirty="0">
-                <a:solidFill>
-                  <a:srgbClr val="FF0000"/>
-                </a:solidFill>
-                <a:latin typeface="Arial Black" pitchFamily="34" charset="0"/>
-              </a:endParaRPr>
             </a:p>
           </p:txBody>
         </p:sp>
@@ -5480,7 +5421,7 @@
             <a:p>
               <a:pPr algn="ctr"/>
               <a:r>
-                <a:rPr lang="en-US" sz="1000" dirty="0" smtClean="0">
+                <a:rPr lang="en-US" sz="1000" dirty="0">
                   <a:solidFill>
                     <a:srgbClr val="FF0000"/>
                   </a:solidFill>
@@ -5488,12 +5429,6 @@
                 </a:rPr>
                 <a:t>2</a:t>
               </a:r>
-              <a:endParaRPr lang="en-US" sz="1000" dirty="0">
-                <a:solidFill>
-                  <a:srgbClr val="FF0000"/>
-                </a:solidFill>
-                <a:latin typeface="Arial Black" pitchFamily="34" charset="0"/>
-              </a:endParaRPr>
             </a:p>
           </p:txBody>
         </p:sp>
@@ -5582,7 +5517,7 @@
             <a:p>
               <a:pPr algn="ctr"/>
               <a:r>
-                <a:rPr lang="en-US" sz="1000" dirty="0" smtClean="0">
+                <a:rPr lang="en-US" sz="1000" dirty="0">
                   <a:solidFill>
                     <a:srgbClr val="FF0000"/>
                   </a:solidFill>
@@ -5590,12 +5525,6 @@
                 </a:rPr>
                 <a:t>3</a:t>
               </a:r>
-              <a:endParaRPr lang="en-US" sz="1000" dirty="0">
-                <a:solidFill>
-                  <a:srgbClr val="FF0000"/>
-                </a:solidFill>
-                <a:latin typeface="Arial Black" pitchFamily="34" charset="0"/>
-              </a:endParaRPr>
             </a:p>
           </p:txBody>
         </p:sp>
@@ -5684,7 +5613,7 @@
             <a:p>
               <a:pPr algn="ctr"/>
               <a:r>
-                <a:rPr lang="en-US" sz="1000" dirty="0" smtClean="0">
+                <a:rPr lang="en-US" sz="1000" dirty="0">
                   <a:solidFill>
                     <a:srgbClr val="FF0000"/>
                   </a:solidFill>
@@ -5692,12 +5621,6 @@
                 </a:rPr>
                 <a:t>4</a:t>
               </a:r>
-              <a:endParaRPr lang="en-US" sz="1000" dirty="0">
-                <a:solidFill>
-                  <a:srgbClr val="FF0000"/>
-                </a:solidFill>
-                <a:latin typeface="Arial Black" pitchFamily="34" charset="0"/>
-              </a:endParaRPr>
             </a:p>
           </p:txBody>
         </p:sp>
@@ -5793,7 +5716,7 @@
           <a:p>
             <a:pPr algn="ctr"/>
             <a:r>
-              <a:rPr lang="en-US" sz="1200" dirty="0" smtClean="0">
+              <a:rPr lang="en-US" sz="1200" dirty="0">
                 <a:solidFill>
                   <a:schemeClr val="tx1"/>
                 </a:solidFill>
@@ -5801,7 +5724,7 @@
               <a:t>OPARTGT0</a:t>
             </a:r>
             <a:r>
-              <a:rPr lang="en-GB" sz="1200" dirty="0" smtClean="0">
+              <a:rPr lang="en-GB" sz="1200" dirty="0">
                 <a:solidFill>
                   <a:schemeClr val="tx1"/>
                 </a:solidFill>
@@ -5809,7 +5732,7 @@
               <a:t>94</a:t>
             </a:r>
             <a:r>
-              <a:rPr lang="en-GB" sz="1200" b="1" dirty="0" smtClean="0">
+              <a:rPr lang="en-GB" sz="1200" b="1" dirty="0">
                 <a:solidFill>
                   <a:schemeClr val="tx1"/>
                 </a:solidFill>
@@ -5869,7 +5792,7 @@
           <a:p>
             <a:pPr algn="ctr"/>
             <a:r>
-              <a:rPr lang="en-US" sz="1200" dirty="0" smtClean="0">
+              <a:rPr lang="en-US" sz="1200" dirty="0">
                 <a:solidFill>
                   <a:schemeClr val="tx1"/>
                 </a:solidFill>
@@ -5877,7 +5800,7 @@
               <a:t>OPARTGT</a:t>
             </a:r>
             <a:r>
-              <a:rPr lang="en-GB" sz="1200" dirty="0" smtClean="0">
+              <a:rPr lang="en-GB" sz="1200" dirty="0">
                 <a:solidFill>
                   <a:schemeClr val="tx1"/>
                 </a:solidFill>
@@ -5885,7 +5808,7 @@
               <a:t>094</a:t>
             </a:r>
             <a:r>
-              <a:rPr lang="en-GB" sz="1200" b="1" dirty="0" smtClean="0">
+              <a:rPr lang="en-GB" sz="1200" b="1" dirty="0">
                 <a:solidFill>
                   <a:schemeClr val="tx1"/>
                 </a:solidFill>
@@ -5945,7 +5868,7 @@
           <a:p>
             <a:pPr algn="ctr"/>
             <a:r>
-              <a:rPr lang="en-US" sz="1200" dirty="0" smtClean="0">
+              <a:rPr lang="en-US" sz="1200" dirty="0">
                 <a:solidFill>
                   <a:schemeClr val="tx1"/>
                 </a:solidFill>
@@ -5953,7 +5876,7 @@
               <a:t>OPARTGT0</a:t>
             </a:r>
             <a:r>
-              <a:rPr lang="en-GB" sz="1200" dirty="0" smtClean="0">
+              <a:rPr lang="en-GB" sz="1200" dirty="0">
                 <a:solidFill>
                   <a:schemeClr val="tx1"/>
                 </a:solidFill>
@@ -5961,7 +5884,7 @@
               <a:t>94</a:t>
             </a:r>
             <a:r>
-              <a:rPr lang="pl-PL" sz="1200" b="1" dirty="0" smtClean="0">
+              <a:rPr lang="pl-PL" sz="1200" b="1" dirty="0">
                 <a:solidFill>
                   <a:schemeClr val="tx1"/>
                 </a:solidFill>
@@ -6024,7 +5947,7 @@
           <a:lstStyle/>
           <a:p>
             <a:pPr algn="ctr"/>
-            <a:endParaRPr lang="pl-PL" sz="1100" dirty="0" smtClean="0">
+            <a:endParaRPr lang="pl-PL" sz="1100" dirty="0">
               <a:solidFill>
                 <a:schemeClr val="tx1"/>
               </a:solidFill>
@@ -6032,7 +5955,7 @@
           </a:p>
           <a:p>
             <a:pPr algn="ctr"/>
-            <a:endParaRPr lang="pl-PL" sz="1100" dirty="0" smtClean="0">
+            <a:endParaRPr lang="pl-PL" sz="1100" dirty="0">
               <a:solidFill>
                 <a:schemeClr val="tx1"/>
               </a:solidFill>
@@ -6093,7 +6016,7 @@
           <a:p>
             <a:pPr algn="ctr"/>
             <a:r>
-              <a:rPr lang="en-US" sz="1200" dirty="0" smtClean="0">
+              <a:rPr lang="en-US" sz="1200" dirty="0">
                 <a:solidFill>
                   <a:schemeClr val="tx1"/>
                 </a:solidFill>
@@ -6101,7 +6024,7 @@
               <a:t>OPARTGT0</a:t>
             </a:r>
             <a:r>
-              <a:rPr lang="en-GB" sz="1200" dirty="0" smtClean="0">
+              <a:rPr lang="en-GB" sz="1200" dirty="0">
                 <a:solidFill>
                   <a:schemeClr val="tx1"/>
                 </a:solidFill>
@@ -6109,7 +6032,7 @@
               <a:t>94</a:t>
             </a:r>
             <a:r>
-              <a:rPr lang="pl-PL" sz="1200" b="1" dirty="0" smtClean="0">
+              <a:rPr lang="pl-PL" sz="1200" b="1" dirty="0">
                 <a:solidFill>
                   <a:schemeClr val="tx1"/>
                 </a:solidFill>
@@ -6133,7 +6056,7 @@
         <p:spPr>
           <a:xfrm>
             <a:off x="6732240" y="843558"/>
-            <a:ext cx="2411760" cy="2246769"/>
+            <a:ext cx="2411760" cy="1477328"/>
           </a:xfrm>
           <a:prstGeom prst="rect">
             <a:avLst/>
@@ -6147,76 +6070,70 @@
           <a:lstStyle/>
           <a:p>
             <a:r>
-              <a:rPr lang="en-US" sz="1000" dirty="0" smtClean="0"/>
+              <a:rPr lang="en-US" sz="1000" dirty="0"/>
               <a:t>OPARTGT0</a:t>
             </a:r>
             <a:r>
-              <a:rPr lang="en-GB" sz="1000" dirty="0" smtClean="0"/>
+              <a:rPr lang="en-GB" sz="1000" dirty="0"/>
               <a:t>94</a:t>
             </a:r>
             <a:r>
-              <a:rPr lang="pl-PL" sz="1000" b="1" dirty="0" smtClean="0"/>
+              <a:rPr lang="pl-PL" sz="1000" b="1" dirty="0"/>
               <a:t>A</a:t>
             </a:r>
             <a:r>
-              <a:rPr lang="pl-PL" sz="1000" dirty="0" smtClean="0"/>
+              <a:rPr lang="pl-PL" sz="1000" dirty="0"/>
               <a:t> – </a:t>
             </a:r>
             <a:r>
-              <a:rPr lang="en-GB" sz="1000" dirty="0" smtClean="0"/>
+              <a:rPr lang="en-GB" sz="1000" dirty="0"/>
               <a:t>8</a:t>
             </a:r>
             <a:r>
-              <a:rPr lang="pl-PL" sz="1000" dirty="0" smtClean="0"/>
-              <a:t> storey buildings made of concrete slab supported by reinforced concrete base and pillars, flat poured roof, requires delayed fuzing.</a:t>
-            </a:r>
-            <a:r>
-              <a:rPr lang="en-GB" sz="1000" dirty="0" smtClean="0"/>
+              <a:rPr lang="pl-PL" sz="1000" dirty="0"/>
+              <a:t> storey buildings made of concrete slab supported by reinforced concrete base and pillars, flat poured roof.</a:t>
+            </a:r>
+            <a:r>
+              <a:rPr lang="en-GB" sz="1000" dirty="0"/>
               <a:t>  </a:t>
             </a:r>
           </a:p>
           <a:p>
-            <a:endParaRPr lang="en-GB" sz="1000" dirty="0" smtClean="0"/>
-          </a:p>
-          <a:p>
-            <a:r>
-              <a:rPr lang="en-US" sz="1000" dirty="0" smtClean="0"/>
+            <a:endParaRPr lang="en-GB" sz="1000" dirty="0"/>
+          </a:p>
+          <a:p>
+            <a:r>
+              <a:rPr lang="en-US" sz="1000" dirty="0"/>
               <a:t>OPARTGT0</a:t>
             </a:r>
             <a:r>
-              <a:rPr lang="en-GB" sz="1000" dirty="0" smtClean="0"/>
+              <a:rPr lang="en-GB" sz="1000" dirty="0"/>
               <a:t>94</a:t>
             </a:r>
             <a:r>
-              <a:rPr lang="en-GB" sz="1000" b="1" dirty="0" smtClean="0"/>
+              <a:rPr lang="en-GB" sz="1000" b="1" dirty="0"/>
               <a:t>B/C/D</a:t>
             </a:r>
             <a:r>
-              <a:rPr lang="pl-PL" sz="1000" b="1" dirty="0" smtClean="0"/>
+              <a:rPr lang="pl-PL" sz="1000" b="1" dirty="0"/>
               <a:t> </a:t>
             </a:r>
             <a:r>
-              <a:rPr lang="pl-PL" sz="1000" dirty="0" smtClean="0"/>
+              <a:rPr lang="pl-PL" sz="1000" dirty="0"/>
               <a:t>– </a:t>
             </a:r>
             <a:r>
-              <a:rPr lang="en-GB" sz="1000" dirty="0" smtClean="0"/>
+              <a:rPr lang="en-GB" sz="1000" dirty="0"/>
               <a:t>5 storey building</a:t>
             </a:r>
             <a:r>
-              <a:rPr lang="pl-PL" sz="1000" dirty="0" smtClean="0"/>
-              <a:t>, walls made of slabs, poured roof supported by metal frame and reinforced concrete pillars. Requires delayed fuzing.</a:t>
-            </a:r>
-            <a:endParaRPr lang="en-GB" sz="1000" dirty="0" smtClean="0"/>
-          </a:p>
-          <a:p>
-            <a:endParaRPr lang="en-GB" sz="1000" dirty="0" smtClean="0"/>
-          </a:p>
-          <a:p>
-            <a:r>
-              <a:rPr lang="pl-PL" sz="1000" dirty="0" smtClean="0"/>
-              <a:t>Suggested fuzing solution on DPIs 1-4 – contact to open up the roof followed by delayed to pierce through floors and affect building structure. </a:t>
-            </a:r>
+              <a:rPr lang="pl-PL" sz="1000" dirty="0"/>
+              <a:t>, walls made of slabs, poured roof supported by metal frame and reinforced concrete pillars.</a:t>
+            </a:r>
+            <a:endParaRPr lang="en-GB" sz="1000" dirty="0"/>
+          </a:p>
+          <a:p>
+            <a:endParaRPr lang="en-GB" sz="1000" dirty="0"/>
           </a:p>
         </p:txBody>
       </p:sp>
